--- a/files/newenergyvehicles.pptx
+++ b/files/newenergyvehicles.pptx
@@ -6,12 +6,13 @@
   </p:sldMasterIdLst>
   <p:sldIdLst>
     <p:sldId id="297" r:id="rId2"/>
-    <p:sldId id="298" r:id="rId3"/>
-    <p:sldId id="299" r:id="rId4"/>
-    <p:sldId id="300" r:id="rId5"/>
-    <p:sldId id="301" r:id="rId6"/>
-    <p:sldId id="302" r:id="rId7"/>
-    <p:sldId id="303" r:id="rId8"/>
+    <p:sldId id="304" r:id="rId3"/>
+    <p:sldId id="298" r:id="rId4"/>
+    <p:sldId id="299" r:id="rId5"/>
+    <p:sldId id="300" r:id="rId6"/>
+    <p:sldId id="301" r:id="rId7"/>
+    <p:sldId id="302" r:id="rId8"/>
+    <p:sldId id="303" r:id="rId9"/>
   </p:sldIdLst>
   <p:sldSz cx="12192000" cy="6858000"/>
   <p:notesSz cx="6858000" cy="9144000"/>
@@ -277,7 +278,7 @@
           <a:p>
             <a:fld id="{B51B3E35-5B69-9648-853B-F8FB07F7F1EA}" type="datetimeFigureOut">
               <a:rPr kumimoji="1" lang="zh-CN" altLang="en-US" smtClean="0"/>
-              <a:t>2022/7/13</a:t>
+              <a:t>2022/7/20</a:t>
             </a:fld>
             <a:endParaRPr kumimoji="1" lang="zh-CN" altLang="en-US"/>
           </a:p>
@@ -475,7 +476,7 @@
           <a:p>
             <a:fld id="{B51B3E35-5B69-9648-853B-F8FB07F7F1EA}" type="datetimeFigureOut">
               <a:rPr kumimoji="1" lang="zh-CN" altLang="en-US" smtClean="0"/>
-              <a:t>2022/7/13</a:t>
+              <a:t>2022/7/20</a:t>
             </a:fld>
             <a:endParaRPr kumimoji="1" lang="zh-CN" altLang="en-US"/>
           </a:p>
@@ -683,7 +684,7 @@
           <a:p>
             <a:fld id="{B51B3E35-5B69-9648-853B-F8FB07F7F1EA}" type="datetimeFigureOut">
               <a:rPr kumimoji="1" lang="zh-CN" altLang="en-US" smtClean="0"/>
-              <a:t>2022/7/13</a:t>
+              <a:t>2022/7/20</a:t>
             </a:fld>
             <a:endParaRPr kumimoji="1" lang="zh-CN" altLang="en-US"/>
           </a:p>
@@ -881,7 +882,7 @@
           <a:p>
             <a:fld id="{B51B3E35-5B69-9648-853B-F8FB07F7F1EA}" type="datetimeFigureOut">
               <a:rPr kumimoji="1" lang="zh-CN" altLang="en-US" smtClean="0"/>
-              <a:t>2022/7/13</a:t>
+              <a:t>2022/7/20</a:t>
             </a:fld>
             <a:endParaRPr kumimoji="1" lang="zh-CN" altLang="en-US"/>
           </a:p>
@@ -1156,7 +1157,7 @@
           <a:p>
             <a:fld id="{B51B3E35-5B69-9648-853B-F8FB07F7F1EA}" type="datetimeFigureOut">
               <a:rPr kumimoji="1" lang="zh-CN" altLang="en-US" smtClean="0"/>
-              <a:t>2022/7/13</a:t>
+              <a:t>2022/7/20</a:t>
             </a:fld>
             <a:endParaRPr kumimoji="1" lang="zh-CN" altLang="en-US"/>
           </a:p>
@@ -1421,7 +1422,7 @@
           <a:p>
             <a:fld id="{B51B3E35-5B69-9648-853B-F8FB07F7F1EA}" type="datetimeFigureOut">
               <a:rPr kumimoji="1" lang="zh-CN" altLang="en-US" smtClean="0"/>
-              <a:t>2022/7/13</a:t>
+              <a:t>2022/7/20</a:t>
             </a:fld>
             <a:endParaRPr kumimoji="1" lang="zh-CN" altLang="en-US"/>
           </a:p>
@@ -1833,7 +1834,7 @@
           <a:p>
             <a:fld id="{B51B3E35-5B69-9648-853B-F8FB07F7F1EA}" type="datetimeFigureOut">
               <a:rPr kumimoji="1" lang="zh-CN" altLang="en-US" smtClean="0"/>
-              <a:t>2022/7/13</a:t>
+              <a:t>2022/7/20</a:t>
             </a:fld>
             <a:endParaRPr kumimoji="1" lang="zh-CN" altLang="en-US"/>
           </a:p>
@@ -1974,7 +1975,7 @@
           <a:p>
             <a:fld id="{B51B3E35-5B69-9648-853B-F8FB07F7F1EA}" type="datetimeFigureOut">
               <a:rPr kumimoji="1" lang="zh-CN" altLang="en-US" smtClean="0"/>
-              <a:t>2022/7/13</a:t>
+              <a:t>2022/7/20</a:t>
             </a:fld>
             <a:endParaRPr kumimoji="1" lang="zh-CN" altLang="en-US"/>
           </a:p>
@@ -2087,7 +2088,7 @@
           <a:p>
             <a:fld id="{B51B3E35-5B69-9648-853B-F8FB07F7F1EA}" type="datetimeFigureOut">
               <a:rPr kumimoji="1" lang="zh-CN" altLang="en-US" smtClean="0"/>
-              <a:t>2022/7/13</a:t>
+              <a:t>2022/7/20</a:t>
             </a:fld>
             <a:endParaRPr kumimoji="1" lang="zh-CN" altLang="en-US"/>
           </a:p>
@@ -2398,7 +2399,7 @@
           <a:p>
             <a:fld id="{B51B3E35-5B69-9648-853B-F8FB07F7F1EA}" type="datetimeFigureOut">
               <a:rPr kumimoji="1" lang="zh-CN" altLang="en-US" smtClean="0"/>
-              <a:t>2022/7/13</a:t>
+              <a:t>2022/7/20</a:t>
             </a:fld>
             <a:endParaRPr kumimoji="1" lang="zh-CN" altLang="en-US"/>
           </a:p>
@@ -2686,7 +2687,7 @@
           <a:p>
             <a:fld id="{B51B3E35-5B69-9648-853B-F8FB07F7F1EA}" type="datetimeFigureOut">
               <a:rPr kumimoji="1" lang="zh-CN" altLang="en-US" smtClean="0"/>
-              <a:t>2022/7/13</a:t>
+              <a:t>2022/7/20</a:t>
             </a:fld>
             <a:endParaRPr kumimoji="1" lang="zh-CN" altLang="en-US"/>
           </a:p>
@@ -2927,7 +2928,7 @@
           <a:p>
             <a:fld id="{B51B3E35-5B69-9648-853B-F8FB07F7F1EA}" type="datetimeFigureOut">
               <a:rPr kumimoji="1" lang="zh-CN" altLang="en-US" smtClean="0"/>
-              <a:t>2022/7/13</a:t>
+              <a:t>2022/7/20</a:t>
             </a:fld>
             <a:endParaRPr kumimoji="1" lang="zh-CN" altLang="en-US"/>
           </a:p>
@@ -3490,7 +3491,7 @@
           </a:ln>
           <a:extLst>
             <a:ext uri="{C572A759-6A51-4108-AA02-DFA0A04FC94B}">
-              <ma14:wrappingTextBoxFlag xmlns="" xmlns:m="http://schemas.openxmlformats.org/officeDocument/2006/math" xmlns:a14="http://schemas.microsoft.com/office/drawing/2010/main" xmlns:ma14="http://schemas.microsoft.com/office/mac/drawingml/2011/main" val="1"/>
+              <ma14:wrappingTextBoxFlag xmlns:ma14="http://schemas.microsoft.com/office/mac/drawingml/2011/main" xmlns:a14="http://schemas.microsoft.com/office/drawing/2010/main" xmlns:m="http://schemas.openxmlformats.org/officeDocument/2006/math" xmlns="" val="1"/>
             </a:ext>
           </a:extLst>
         </p:spPr>
@@ -3629,7 +3630,7 @@
         <p:spPr>
           <a:xfrm>
             <a:off x="640112" y="680640"/>
-            <a:ext cx="11345059" cy="492443"/>
+            <a:ext cx="5160787" cy="492443"/>
           </a:xfrm>
           <a:prstGeom prst="rect">
             <a:avLst/>
@@ -3639,7 +3640,7 @@
           </a:ln>
           <a:extLst>
             <a:ext uri="{C572A759-6A51-4108-AA02-DFA0A04FC94B}">
-              <ma14:wrappingTextBoxFlag xmlns="" xmlns:m="http://schemas.openxmlformats.org/officeDocument/2006/math" xmlns:a14="http://schemas.microsoft.com/office/drawing/2010/main" xmlns:ma14="http://schemas.microsoft.com/office/mac/drawingml/2011/main" val="1"/>
+              <ma14:wrappingTextBoxFlag xmlns:ma14="http://schemas.microsoft.com/office/mac/drawingml/2011/main" xmlns:a14="http://schemas.microsoft.com/office/drawing/2010/main" xmlns:m="http://schemas.openxmlformats.org/officeDocument/2006/math" xmlns="" val="1"/>
             </a:ext>
           </a:extLst>
         </p:spPr>
@@ -3659,19 +3660,51 @@
           </a:lstStyle>
           <a:p>
             <a:r>
-              <a:rPr lang="en-US" altLang="zh-CN" sz="3200" dirty="0"/>
-              <a:t>Power</a:t>
-            </a:r>
-            <a:endParaRPr lang="zh-CN" altLang="en-US" sz="3200" dirty="0"/>
-          </a:p>
-        </p:txBody>
-      </p:sp>
-      <p:sp>
-        <p:nvSpPr>
-          <p:cNvPr id="9" name="矩形 8">
-            <a:extLst>
-              <a:ext uri="{FF2B5EF4-FFF2-40B4-BE49-F238E27FC236}">
-                <a16:creationId xmlns:a16="http://schemas.microsoft.com/office/drawing/2014/main" id="{9EBF4CD6-7FD1-F947-2E11-E71DA6B4F7DF}"/>
+              <a:rPr lang="en-US" sz="3200" b="1" dirty="0">
+                <a:solidFill>
+                  <a:schemeClr val="accent1">
+                    <a:lumMod val="75000"/>
+                  </a:schemeClr>
+                </a:solidFill>
+              </a:rPr>
+              <a:t>Controversial</a:t>
+            </a:r>
+            <a:r>
+              <a:rPr lang="zh-CN" altLang="en-US" sz="3200" b="1" dirty="0">
+                <a:solidFill>
+                  <a:schemeClr val="accent1">
+                    <a:lumMod val="75000"/>
+                  </a:schemeClr>
+                </a:solidFill>
+              </a:rPr>
+              <a:t> </a:t>
+            </a:r>
+            <a:r>
+              <a:rPr lang="en-US" altLang="zh-CN" sz="3200" b="1" dirty="0">
+                <a:solidFill>
+                  <a:schemeClr val="accent1">
+                    <a:lumMod val="75000"/>
+                  </a:schemeClr>
+                </a:solidFill>
+              </a:rPr>
+              <a:t>topic</a:t>
+            </a:r>
+            <a:endParaRPr sz="3200" b="1" dirty="0">
+              <a:solidFill>
+                <a:schemeClr val="accent1">
+                  <a:lumMod val="75000"/>
+                </a:schemeClr>
+              </a:solidFill>
+            </a:endParaRPr>
+          </a:p>
+        </p:txBody>
+      </p:sp>
+      <p:sp>
+        <p:nvSpPr>
+          <p:cNvPr id="8" name="矩形 7">
+            <a:extLst>
+              <a:ext uri="{FF2B5EF4-FFF2-40B4-BE49-F238E27FC236}">
+                <a16:creationId xmlns:a16="http://schemas.microsoft.com/office/drawing/2014/main" id="{28967E7C-79FE-855F-58D5-F7664499EDA7}"/>
               </a:ext>
             </a:extLst>
           </p:cNvPr>
@@ -3680,128 +3713,85 @@
         </p:nvSpPr>
         <p:spPr>
           <a:xfrm>
-            <a:off x="213947" y="1427713"/>
-            <a:ext cx="11531740" cy="2353786"/>
+            <a:off x="1028754" y="1792550"/>
+            <a:ext cx="2852063" cy="2677656"/>
           </a:xfrm>
           <a:prstGeom prst="rect">
             <a:avLst/>
           </a:prstGeom>
         </p:spPr>
         <p:txBody>
-          <a:bodyPr wrap="square">
+          <a:bodyPr wrap="none">
             <a:spAutoFit/>
           </a:bodyPr>
           <a:lstStyle/>
           <a:p>
-            <a:pPr>
-              <a:lnSpc>
-                <a:spcPct val="150000"/>
-              </a:lnSpc>
+            <a:pPr marL="457200" indent="-457200">
+              <a:buFont typeface="Wingdings" panose="05000000000000000000" pitchFamily="2" charset="2"/>
+              <a:buChar char="Ø"/>
             </a:pPr>
             <a:r>
-              <a:rPr lang="en" altLang="zh-CN" sz="2000" b="1" dirty="0"/>
-              <a:t>The power of new energy vehicles is weak?</a:t>
-            </a:r>
-          </a:p>
-          <a:p>
-            <a:pPr marL="342900" indent="-342900">
-              <a:lnSpc>
-                <a:spcPct val="150000"/>
-              </a:lnSpc>
+              <a:rPr lang="en-US" altLang="zh-CN" sz="2800" dirty="0"/>
+              <a:t>Power</a:t>
+            </a:r>
+          </a:p>
+          <a:p>
+            <a:pPr marL="457200" indent="-457200">
               <a:buFont typeface="Wingdings" panose="05000000000000000000" pitchFamily="2" charset="2"/>
-              <a:buChar char="u"/>
+              <a:buChar char="Ø"/>
             </a:pPr>
             <a:r>
-              <a:rPr lang="zh-CN" altLang="en-US" sz="2000" dirty="0">
-                <a:solidFill>
-                  <a:schemeClr val="accent5">
-                    <a:lumMod val="75000"/>
-                  </a:schemeClr>
-                </a:solidFill>
-              </a:rPr>
-              <a:t> </a:t>
-            </a:r>
-            <a:r>
-              <a:rPr lang="en" altLang="zh-CN" sz="2000" dirty="0">
-                <a:solidFill>
-                  <a:schemeClr val="accent5">
-                    <a:lumMod val="75000"/>
-                  </a:schemeClr>
-                </a:solidFill>
-              </a:rPr>
-              <a:t>Acceleration</a:t>
-            </a:r>
-            <a:r>
-              <a:rPr lang="en" altLang="zh-CN" sz="2000" dirty="0"/>
-              <a:t> is the most important part of a car's power, so naturally it depends on its peak </a:t>
-            </a:r>
-            <a:r>
-              <a:rPr lang="en" altLang="zh-CN" sz="2000" dirty="0">
-                <a:solidFill>
-                  <a:schemeClr val="accent5">
-                    <a:lumMod val="75000"/>
-                  </a:schemeClr>
-                </a:solidFill>
-              </a:rPr>
-              <a:t>torque</a:t>
-            </a:r>
-            <a:r>
-              <a:rPr lang="en" altLang="zh-CN" sz="2000" dirty="0"/>
-              <a:t>.</a:t>
-            </a:r>
-          </a:p>
-          <a:p>
-            <a:pPr marL="342900" indent="-342900">
-              <a:lnSpc>
-                <a:spcPct val="150000"/>
-              </a:lnSpc>
+              <a:rPr lang="en-US" altLang="zh-CN" sz="2800" dirty="0"/>
+              <a:t>Battery</a:t>
+            </a:r>
+          </a:p>
+          <a:p>
+            <a:pPr marL="457200" indent="-457200">
               <a:buFont typeface="Wingdings" panose="05000000000000000000" pitchFamily="2" charset="2"/>
-              <a:buChar char="u"/>
+              <a:buChar char="Ø"/>
             </a:pPr>
             <a:r>
-              <a:rPr lang="zh-CN" altLang="en-US" sz="2000" dirty="0"/>
-              <a:t> </a:t>
-            </a:r>
-            <a:r>
-              <a:rPr lang="en" altLang="zh-CN" sz="2000" dirty="0"/>
-              <a:t>Compared with combustion engines, pure electric vehicles can </a:t>
-            </a:r>
-            <a:r>
-              <a:rPr lang="en" altLang="zh-CN" sz="2000" dirty="0">
-                <a:solidFill>
-                  <a:schemeClr val="accent5">
-                    <a:lumMod val="75000"/>
-                  </a:schemeClr>
-                </a:solidFill>
-              </a:rPr>
-              <a:t>instantly</a:t>
-            </a:r>
-            <a:r>
-              <a:rPr lang="en" altLang="zh-CN" sz="2000" dirty="0"/>
-              <a:t> reach the maximum torque by relying on the </a:t>
-            </a:r>
-            <a:r>
-              <a:rPr lang="en" altLang="zh-CN" sz="2000" dirty="0">
-                <a:solidFill>
-                  <a:schemeClr val="accent5">
-                    <a:lumMod val="75000"/>
-                  </a:schemeClr>
-                </a:solidFill>
-              </a:rPr>
-              <a:t>kinetic</a:t>
-            </a:r>
-            <a:r>
-              <a:rPr lang="en" altLang="zh-CN" sz="2000" dirty="0"/>
-              <a:t> energy of the motor, so new energy must have a stronger acceleration ability than combustion.</a:t>
-            </a:r>
-            <a:endParaRPr lang="zh-CN" altLang="en-US" sz="2000" dirty="0"/>
+              <a:rPr lang="en-US" altLang="zh-CN" sz="2800" dirty="0"/>
+              <a:t>Charging</a:t>
+            </a:r>
+          </a:p>
+          <a:p>
+            <a:pPr marL="457200" indent="-457200">
+              <a:buFont typeface="Wingdings" panose="05000000000000000000" pitchFamily="2" charset="2"/>
+              <a:buChar char="Ø"/>
+            </a:pPr>
+            <a:r>
+              <a:rPr lang="en-US" altLang="zh-CN" sz="2800" dirty="0"/>
+              <a:t>Resource</a:t>
+            </a:r>
+          </a:p>
+          <a:p>
+            <a:pPr marL="457200" indent="-457200">
+              <a:buFont typeface="Wingdings" panose="05000000000000000000" pitchFamily="2" charset="2"/>
+              <a:buChar char="Ø"/>
+            </a:pPr>
+            <a:r>
+              <a:rPr lang="en-US" altLang="zh-CN" sz="2800" dirty="0"/>
+              <a:t>Environmental</a:t>
+            </a:r>
+          </a:p>
+          <a:p>
+            <a:pPr marL="457200" indent="-457200">
+              <a:buFont typeface="Wingdings" panose="05000000000000000000" pitchFamily="2" charset="2"/>
+              <a:buChar char="Ø"/>
+            </a:pPr>
+            <a:r>
+              <a:rPr lang="en-US" altLang="zh-CN" sz="2800" dirty="0"/>
+              <a:t>Conclusion</a:t>
+            </a:r>
+            <a:endParaRPr lang="zh-CN" altLang="en-US" sz="2800" dirty="0"/>
           </a:p>
         </p:txBody>
       </p:sp>
     </p:spTree>
     <p:extLst>
       <p:ext uri="{BB962C8B-B14F-4D97-AF65-F5344CB8AC3E}">
-        <p14:creationId xmlns:p14="http://schemas.microsoft.com/office/powerpoint/2010/main" val="2455892309"/>
+        <p14:creationId xmlns:p14="http://schemas.microsoft.com/office/powerpoint/2010/main" val="3464722154"/>
       </p:ext>
     </p:extLst>
   </p:cSld>
@@ -3842,7 +3832,7 @@
         </p:nvSpPr>
         <p:spPr>
           <a:xfrm>
-            <a:off x="291770" y="680640"/>
+            <a:off x="640112" y="680640"/>
             <a:ext cx="11345059" cy="492443"/>
           </a:xfrm>
           <a:prstGeom prst="rect">
@@ -3853,7 +3843,7 @@
           </a:ln>
           <a:extLst>
             <a:ext uri="{C572A759-6A51-4108-AA02-DFA0A04FC94B}">
-              <ma14:wrappingTextBoxFlag xmlns="" xmlns:m="http://schemas.openxmlformats.org/officeDocument/2006/math" xmlns:a14="http://schemas.microsoft.com/office/drawing/2010/main" xmlns:ma14="http://schemas.microsoft.com/office/mac/drawingml/2011/main" val="1"/>
+              <ma14:wrappingTextBoxFlag xmlns:ma14="http://schemas.microsoft.com/office/mac/drawingml/2011/main" xmlns:a14="http://schemas.microsoft.com/office/drawing/2010/main" xmlns:m="http://schemas.openxmlformats.org/officeDocument/2006/math" xmlns="" val="1"/>
             </a:ext>
           </a:extLst>
         </p:spPr>
@@ -3874,7 +3864,7 @@
           <a:p>
             <a:r>
               <a:rPr lang="en-US" altLang="zh-CN" sz="3200" dirty="0"/>
-              <a:t>Battery</a:t>
+              <a:t>Power</a:t>
             </a:r>
             <a:endParaRPr lang="zh-CN" altLang="en-US" sz="3200" dirty="0"/>
           </a:p>
@@ -3882,10 +3872,10 @@
       </p:sp>
       <p:sp>
         <p:nvSpPr>
-          <p:cNvPr id="4" name="矩形 3">
-            <a:extLst>
-              <a:ext uri="{FF2B5EF4-FFF2-40B4-BE49-F238E27FC236}">
-                <a16:creationId xmlns:a16="http://schemas.microsoft.com/office/drawing/2014/main" id="{0D12318F-CFFD-EF5E-F527-BFD5E26DF057}"/>
+          <p:cNvPr id="9" name="矩形 8">
+            <a:extLst>
+              <a:ext uri="{FF2B5EF4-FFF2-40B4-BE49-F238E27FC236}">
+                <a16:creationId xmlns:a16="http://schemas.microsoft.com/office/drawing/2014/main" id="{9EBF4CD6-7FD1-F947-2E11-E71DA6B4F7DF}"/>
               </a:ext>
             </a:extLst>
           </p:cNvPr>
@@ -3894,8 +3884,8 @@
         </p:nvSpPr>
         <p:spPr>
           <a:xfrm>
-            <a:off x="206829" y="1499655"/>
-            <a:ext cx="11430000" cy="2815451"/>
+            <a:off x="213947" y="1427713"/>
+            <a:ext cx="11531740" cy="2353786"/>
           </a:xfrm>
           <a:prstGeom prst="rect">
             <a:avLst/>
@@ -3914,7 +3904,7 @@
             </a:pPr>
             <a:r>
               <a:rPr lang="en" altLang="zh-CN" sz="2000" b="1" dirty="0"/>
-              <a:t>The new energy vehicles have short battery life and can't run far?</a:t>
+              <a:t>The power of new energy vehicles is weak?</a:t>
             </a:r>
           </a:p>
           <a:p>
@@ -3926,36 +3916,42 @@
               <a:buChar char="u"/>
             </a:pPr>
             <a:r>
-              <a:rPr lang="zh-CN" altLang="en-US" sz="2000" dirty="0"/>
+              <a:rPr lang="zh-CN" altLang="en-US" sz="2000" dirty="0">
+                <a:solidFill>
+                  <a:schemeClr val="accent5">
+                    <a:lumMod val="75000"/>
+                  </a:schemeClr>
+                </a:solidFill>
+              </a:rPr>
               <a:t> </a:t>
             </a:r>
             <a:r>
+              <a:rPr lang="en" altLang="zh-CN" sz="2000" dirty="0">
+                <a:solidFill>
+                  <a:schemeClr val="accent5">
+                    <a:lumMod val="75000"/>
+                  </a:schemeClr>
+                </a:solidFill>
+              </a:rPr>
+              <a:t>Acceleration</a:t>
+            </a:r>
+            <a:r>
               <a:rPr lang="en" altLang="zh-CN" sz="2000" dirty="0"/>
-              <a:t>Now the average new energy vehicle has a battery life of about </a:t>
-            </a:r>
-            <a:r>
-              <a:rPr lang="en-US" altLang="zh-CN" sz="2000" dirty="0"/>
-              <a:t>4</a:t>
+              <a:t> is the most important part of a car's power, so naturally it depends on its peak </a:t>
+            </a:r>
+            <a:r>
+              <a:rPr lang="en" altLang="zh-CN" sz="2000" dirty="0">
+                <a:solidFill>
+                  <a:schemeClr val="accent5">
+                    <a:lumMod val="75000"/>
+                  </a:schemeClr>
+                </a:solidFill>
+              </a:rPr>
+              <a:t>torque</a:t>
             </a:r>
             <a:r>
               <a:rPr lang="en" altLang="zh-CN" sz="2000" dirty="0"/>
-              <a:t>00 kilometers.</a:t>
-            </a:r>
-            <a:r>
-              <a:rPr lang="zh-CN" altLang="en-US" sz="2000" dirty="0"/>
-              <a:t> And what is the concept of </a:t>
-            </a:r>
-            <a:r>
-              <a:rPr lang="en-US" altLang="zh-CN" sz="2000" dirty="0"/>
-              <a:t>4</a:t>
-            </a:r>
-            <a:r>
-              <a:rPr lang="zh-CN" altLang="en-US" sz="2000" dirty="0"/>
-              <a:t>00 kilometers?</a:t>
-            </a:r>
-            <a:r>
-              <a:rPr lang="en" altLang="zh-CN" sz="2000" dirty="0"/>
-              <a:t> </a:t>
+              <a:t>.</a:t>
             </a:r>
           </a:p>
           <a:p>
@@ -3967,25 +3963,48 @@
               <a:buChar char="u"/>
             </a:pPr>
             <a:r>
+              <a:rPr lang="zh-CN" altLang="en-US" sz="2000" dirty="0"/>
+              <a:t> </a:t>
+            </a:r>
+            <a:r>
               <a:rPr lang="en" altLang="zh-CN" sz="2000" dirty="0"/>
-              <a:t>Many consumers do not have the concept of mileage. For example, from Jinan to Beijing is 410 kilometers, and only one charge is required for the trip. </a:t>
-            </a:r>
-          </a:p>
-          <a:p>
-            <a:pPr marL="342900" indent="-342900">
-              <a:lnSpc>
-                <a:spcPct val="150000"/>
-              </a:lnSpc>
-              <a:buFont typeface="Wingdings" panose="05000000000000000000" pitchFamily="2" charset="2"/>
-              <a:buChar char="u"/>
-            </a:pPr>
+              <a:t>Compared with combustion engines, </a:t>
+            </a:r>
+            <a:r>
+              <a:rPr lang="en-US" altLang="zh-CN" sz="2000" dirty="0"/>
+              <a:t>new energy </a:t>
+            </a:r>
             <a:r>
               <a:rPr lang="en" altLang="zh-CN" sz="2000" dirty="0"/>
-              <a:t>combustion vehicles do not have battery life issues</a:t>
-            </a:r>
-            <a:r>
-              <a:rPr lang="en-US" altLang="zh-CN" sz="2000" dirty="0"/>
-              <a:t>.</a:t>
+              <a:t>vehicles can </a:t>
+            </a:r>
+            <a:r>
+              <a:rPr lang="en" altLang="zh-CN" sz="2000" dirty="0">
+                <a:solidFill>
+                  <a:schemeClr val="accent5">
+                    <a:lumMod val="75000"/>
+                  </a:schemeClr>
+                </a:solidFill>
+              </a:rPr>
+              <a:t>instantly</a:t>
+            </a:r>
+            <a:r>
+              <a:rPr lang="en" altLang="zh-CN" sz="2000" dirty="0"/>
+              <a:t> reach the maximum torque by relying on the </a:t>
+            </a:r>
+            <a:r>
+              <a:rPr lang="en" altLang="zh-CN" sz="2000" dirty="0">
+                <a:solidFill>
+                  <a:schemeClr val="accent5">
+                    <a:lumMod val="75000"/>
+                  </a:schemeClr>
+                </a:solidFill>
+              </a:rPr>
+              <a:t>kinetic</a:t>
+            </a:r>
+            <a:r>
+              <a:rPr lang="en" altLang="zh-CN" sz="2000" dirty="0"/>
+              <a:t> energy of the motor, so new energy vehicles must have a stronger acceleration ability than combustion.</a:t>
             </a:r>
             <a:endParaRPr lang="zh-CN" altLang="en-US" sz="2000" dirty="0"/>
           </a:p>
@@ -3994,7 +4013,7 @@
     </p:spTree>
     <p:extLst>
       <p:ext uri="{BB962C8B-B14F-4D97-AF65-F5344CB8AC3E}">
-        <p14:creationId xmlns:p14="http://schemas.microsoft.com/office/powerpoint/2010/main" val="2858958288"/>
+        <p14:creationId xmlns:p14="http://schemas.microsoft.com/office/powerpoint/2010/main" val="2455892309"/>
       </p:ext>
     </p:extLst>
   </p:cSld>
@@ -4046,7 +4065,7 @@
           </a:ln>
           <a:extLst>
             <a:ext uri="{C572A759-6A51-4108-AA02-DFA0A04FC94B}">
-              <ma14:wrappingTextBoxFlag xmlns="" xmlns:m="http://schemas.openxmlformats.org/officeDocument/2006/math" xmlns:a14="http://schemas.microsoft.com/office/drawing/2010/main" xmlns:ma14="http://schemas.microsoft.com/office/mac/drawingml/2011/main" val="1"/>
+              <ma14:wrappingTextBoxFlag xmlns:ma14="http://schemas.microsoft.com/office/mac/drawingml/2011/main" xmlns:a14="http://schemas.microsoft.com/office/drawing/2010/main" xmlns:m="http://schemas.openxmlformats.org/officeDocument/2006/math" xmlns="" val="1"/>
             </a:ext>
           </a:extLst>
         </p:spPr>
@@ -4067,6 +4086,199 @@
           <a:p>
             <a:r>
               <a:rPr lang="en-US" altLang="zh-CN" sz="3200" dirty="0"/>
+              <a:t>Battery</a:t>
+            </a:r>
+            <a:endParaRPr lang="zh-CN" altLang="en-US" sz="3200" dirty="0"/>
+          </a:p>
+        </p:txBody>
+      </p:sp>
+      <p:sp>
+        <p:nvSpPr>
+          <p:cNvPr id="4" name="矩形 3">
+            <a:extLst>
+              <a:ext uri="{FF2B5EF4-FFF2-40B4-BE49-F238E27FC236}">
+                <a16:creationId xmlns:a16="http://schemas.microsoft.com/office/drawing/2014/main" id="{0D12318F-CFFD-EF5E-F527-BFD5E26DF057}"/>
+              </a:ext>
+            </a:extLst>
+          </p:cNvPr>
+          <p:cNvSpPr/>
+          <p:nvPr/>
+        </p:nvSpPr>
+        <p:spPr>
+          <a:xfrm>
+            <a:off x="206829" y="1499655"/>
+            <a:ext cx="11430000" cy="2815451"/>
+          </a:xfrm>
+          <a:prstGeom prst="rect">
+            <a:avLst/>
+          </a:prstGeom>
+        </p:spPr>
+        <p:txBody>
+          <a:bodyPr wrap="square">
+            <a:spAutoFit/>
+          </a:bodyPr>
+          <a:lstStyle/>
+          <a:p>
+            <a:pPr>
+              <a:lnSpc>
+                <a:spcPct val="150000"/>
+              </a:lnSpc>
+            </a:pPr>
+            <a:r>
+              <a:rPr lang="en" altLang="zh-CN" sz="2000" b="1" dirty="0"/>
+              <a:t>The new energy vehicles have short battery life and can't run far?</a:t>
+            </a:r>
+          </a:p>
+          <a:p>
+            <a:pPr marL="342900" indent="-342900">
+              <a:lnSpc>
+                <a:spcPct val="150000"/>
+              </a:lnSpc>
+              <a:buFont typeface="Wingdings" panose="05000000000000000000" pitchFamily="2" charset="2"/>
+              <a:buChar char="u"/>
+            </a:pPr>
+            <a:r>
+              <a:rPr lang="zh-CN" altLang="en-US" sz="2000" dirty="0"/>
+              <a:t> </a:t>
+            </a:r>
+            <a:r>
+              <a:rPr lang="en" altLang="zh-CN" sz="2000" dirty="0"/>
+              <a:t>Now the average new energy vehicle has a battery life of about </a:t>
+            </a:r>
+            <a:r>
+              <a:rPr lang="en-US" altLang="zh-CN" sz="2000" dirty="0"/>
+              <a:t>4</a:t>
+            </a:r>
+            <a:r>
+              <a:rPr lang="en" altLang="zh-CN" sz="2000" dirty="0"/>
+              <a:t>00 kilometers.</a:t>
+            </a:r>
+            <a:r>
+              <a:rPr lang="zh-CN" altLang="en-US" sz="2000" dirty="0"/>
+              <a:t> And what is the concept of </a:t>
+            </a:r>
+            <a:r>
+              <a:rPr lang="en-US" altLang="zh-CN" sz="2000" dirty="0"/>
+              <a:t>4</a:t>
+            </a:r>
+            <a:r>
+              <a:rPr lang="zh-CN" altLang="en-US" sz="2000" dirty="0"/>
+              <a:t>00 kilometers?</a:t>
+            </a:r>
+            <a:r>
+              <a:rPr lang="en" altLang="zh-CN" sz="2000" dirty="0"/>
+              <a:t> </a:t>
+            </a:r>
+          </a:p>
+          <a:p>
+            <a:pPr marL="342900" indent="-342900">
+              <a:lnSpc>
+                <a:spcPct val="150000"/>
+              </a:lnSpc>
+              <a:buFont typeface="Wingdings" panose="05000000000000000000" pitchFamily="2" charset="2"/>
+              <a:buChar char="u"/>
+            </a:pPr>
+            <a:r>
+              <a:rPr lang="en" altLang="zh-CN" sz="2000" dirty="0"/>
+              <a:t>Many consumers do not have the concept of this one. For example, from Jinan to Beijing is 410 kilometers, and only one charge is required for the trip. </a:t>
+            </a:r>
+          </a:p>
+          <a:p>
+            <a:pPr marL="342900" indent="-342900">
+              <a:lnSpc>
+                <a:spcPct val="150000"/>
+              </a:lnSpc>
+              <a:buFont typeface="Wingdings" panose="05000000000000000000" pitchFamily="2" charset="2"/>
+              <a:buChar char="u"/>
+            </a:pPr>
+            <a:r>
+              <a:rPr lang="en" altLang="zh-CN" sz="2000" dirty="0"/>
+              <a:t>combustion vehicles do not have battery life issues</a:t>
+            </a:r>
+            <a:r>
+              <a:rPr lang="en-US" altLang="zh-CN" sz="2000" dirty="0"/>
+              <a:t>.</a:t>
+            </a:r>
+            <a:endParaRPr lang="zh-CN" altLang="en-US" sz="2000" dirty="0"/>
+          </a:p>
+        </p:txBody>
+      </p:sp>
+    </p:spTree>
+    <p:extLst>
+      <p:ext uri="{BB962C8B-B14F-4D97-AF65-F5344CB8AC3E}">
+        <p14:creationId xmlns:p14="http://schemas.microsoft.com/office/powerpoint/2010/main" val="2858958288"/>
+      </p:ext>
+    </p:extLst>
+  </p:cSld>
+  <p:clrMapOvr>
+    <a:masterClrMapping/>
+  </p:clrMapOvr>
+</p:sld>
+</file>
+
+<file path=ppt/slides/slide5.xml><?xml version="1.0" encoding="utf-8"?>
+<p:sld xmlns:a="http://schemas.openxmlformats.org/drawingml/2006/main" xmlns:r="http://schemas.openxmlformats.org/officeDocument/2006/relationships" xmlns:p="http://schemas.openxmlformats.org/presentationml/2006/main">
+  <p:cSld>
+    <p:spTree>
+      <p:nvGrpSpPr>
+        <p:cNvPr id="1" name=""/>
+        <p:cNvGrpSpPr/>
+        <p:nvPr/>
+      </p:nvGrpSpPr>
+      <p:grpSpPr>
+        <a:xfrm>
+          <a:off x="0" y="0"/>
+          <a:ext cx="0" cy="0"/>
+          <a:chOff x="0" y="0"/>
+          <a:chExt cx="0" cy="0"/>
+        </a:xfrm>
+      </p:grpSpPr>
+      <p:sp>
+        <p:nvSpPr>
+          <p:cNvPr id="7" name="User management main page">
+            <a:extLst>
+              <a:ext uri="{FF2B5EF4-FFF2-40B4-BE49-F238E27FC236}">
+                <a16:creationId xmlns:a16="http://schemas.microsoft.com/office/drawing/2014/main" id="{B43A627F-66B0-954A-1C23-B000B52893D4}"/>
+              </a:ext>
+            </a:extLst>
+          </p:cNvPr>
+          <p:cNvSpPr txBox="1"/>
+          <p:nvPr/>
+        </p:nvSpPr>
+        <p:spPr>
+          <a:xfrm>
+            <a:off x="291770" y="680640"/>
+            <a:ext cx="11345059" cy="492443"/>
+          </a:xfrm>
+          <a:prstGeom prst="rect">
+            <a:avLst/>
+          </a:prstGeom>
+          <a:ln w="12700">
+            <a:miter lim="400000"/>
+          </a:ln>
+          <a:extLst>
+            <a:ext uri="{C572A759-6A51-4108-AA02-DFA0A04FC94B}">
+              <ma14:wrappingTextBoxFlag xmlns:ma14="http://schemas.microsoft.com/office/mac/drawingml/2011/main" xmlns:a14="http://schemas.microsoft.com/office/drawing/2010/main" xmlns:m="http://schemas.openxmlformats.org/officeDocument/2006/math" xmlns="" val="1"/>
+            </a:ext>
+          </a:extLst>
+        </p:spPr>
+        <p:txBody>
+          <a:bodyPr wrap="square" lIns="0" tIns="0" rIns="0" bIns="0">
+            <a:spAutoFit/>
+          </a:bodyPr>
+          <a:lstStyle>
+            <a:lvl1pPr>
+              <a:defRPr>
+                <a:latin typeface="+mj-lt"/>
+                <a:ea typeface="+mj-ea"/>
+                <a:cs typeface="+mj-cs"/>
+                <a:sym typeface="Arial"/>
+              </a:defRPr>
+            </a:lvl1pPr>
+          </a:lstStyle>
+          <a:p>
+            <a:r>
+              <a:rPr lang="en-US" altLang="zh-CN" sz="3200" dirty="0"/>
               <a:t>Charging</a:t>
             </a:r>
             <a:endParaRPr lang="zh-CN" altLang="en-US" sz="3200" dirty="0"/>
@@ -4215,7 +4427,7 @@
             </a:r>
             <a:r>
               <a:rPr lang="en" altLang="zh-CN" sz="2000" dirty="0"/>
-              <a:t> unfriendly to electric vehicle owners.</a:t>
+              <a:t> unfriendly to new energy vehicles owners.</a:t>
             </a:r>
             <a:endParaRPr lang="zh-CN" altLang="en-US" sz="2000" dirty="0"/>
           </a:p>
@@ -4572,7 +4784,7 @@
 </p:sld>
 </file>
 
-<file path=ppt/slides/slide5.xml><?xml version="1.0" encoding="utf-8"?>
+<file path=ppt/slides/slide6.xml><?xml version="1.0" encoding="utf-8"?>
 <p:sld xmlns:a="http://schemas.openxmlformats.org/drawingml/2006/main" xmlns:r="http://schemas.openxmlformats.org/officeDocument/2006/relationships" xmlns:p="http://schemas.openxmlformats.org/presentationml/2006/main">
   <p:cSld>
     <p:spTree>
@@ -4614,7 +4826,7 @@
           </a:ln>
           <a:extLst>
             <a:ext uri="{C572A759-6A51-4108-AA02-DFA0A04FC94B}">
-              <ma14:wrappingTextBoxFlag xmlns="" xmlns:m="http://schemas.openxmlformats.org/officeDocument/2006/math" xmlns:a14="http://schemas.microsoft.com/office/drawing/2010/main" xmlns:ma14="http://schemas.microsoft.com/office/mac/drawingml/2011/main" val="1"/>
+              <ma14:wrappingTextBoxFlag xmlns:ma14="http://schemas.microsoft.com/office/mac/drawingml/2011/main" xmlns:a14="http://schemas.microsoft.com/office/drawing/2010/main" xmlns:m="http://schemas.openxmlformats.org/officeDocument/2006/math" xmlns="" val="1"/>
             </a:ext>
           </a:extLst>
         </p:spPr>
@@ -4981,7 +5193,7 @@
 </p:sld>
 </file>
 
-<file path=ppt/slides/slide6.xml><?xml version="1.0" encoding="utf-8"?>
+<file path=ppt/slides/slide7.xml><?xml version="1.0" encoding="utf-8"?>
 <p:sld xmlns:a="http://schemas.openxmlformats.org/drawingml/2006/main" xmlns:r="http://schemas.openxmlformats.org/officeDocument/2006/relationships" xmlns:p="http://schemas.openxmlformats.org/presentationml/2006/main">
   <p:cSld>
     <p:spTree>
@@ -5023,7 +5235,7 @@
           </a:ln>
           <a:extLst>
             <a:ext uri="{C572A759-6A51-4108-AA02-DFA0A04FC94B}">
-              <ma14:wrappingTextBoxFlag xmlns="" xmlns:m="http://schemas.openxmlformats.org/officeDocument/2006/math" xmlns:a14="http://schemas.microsoft.com/office/drawing/2010/main" xmlns:ma14="http://schemas.microsoft.com/office/mac/drawingml/2011/main" val="1"/>
+              <ma14:wrappingTextBoxFlag xmlns:ma14="http://schemas.microsoft.com/office/mac/drawingml/2011/main" xmlns:a14="http://schemas.microsoft.com/office/drawing/2010/main" xmlns:m="http://schemas.openxmlformats.org/officeDocument/2006/math" xmlns="" val="1"/>
             </a:ext>
           </a:extLst>
         </p:spPr>
@@ -5119,7 +5331,7 @@
             </a:r>
             <a:r>
               <a:rPr lang="en" altLang="zh-CN" sz="2000" dirty="0"/>
-              <a:t> of fuel vehicles is not environmentally friendly, it will cause air pollution, and it will also cause a certain degree of harm to our health.</a:t>
+              <a:t> of combustion vehicles is not environmentally friendly, it will cause air pollution, and it will also cause a certain degree of harm to our health.</a:t>
             </a:r>
             <a:endParaRPr lang="zh-CN" altLang="en-US" sz="2000" dirty="0"/>
           </a:p>
@@ -5316,7 +5528,7 @@
 </p:sld>
 </file>
 
-<file path=ppt/slides/slide7.xml><?xml version="1.0" encoding="utf-8"?>
+<file path=ppt/slides/slide8.xml><?xml version="1.0" encoding="utf-8"?>
 <p:sld xmlns:a="http://schemas.openxmlformats.org/drawingml/2006/main" xmlns:r="http://schemas.openxmlformats.org/officeDocument/2006/relationships" xmlns:p="http://schemas.openxmlformats.org/presentationml/2006/main">
   <p:cSld>
     <p:spTree>
@@ -5358,7 +5570,7 @@
           </a:ln>
           <a:extLst>
             <a:ext uri="{C572A759-6A51-4108-AA02-DFA0A04FC94B}">
-              <ma14:wrappingTextBoxFlag xmlns="" xmlns:m="http://schemas.openxmlformats.org/officeDocument/2006/math" xmlns:a14="http://schemas.microsoft.com/office/drawing/2010/main" xmlns:ma14="http://schemas.microsoft.com/office/mac/drawingml/2011/main" val="1"/>
+              <ma14:wrappingTextBoxFlag xmlns:ma14="http://schemas.microsoft.com/office/mac/drawingml/2011/main" xmlns:a14="http://schemas.microsoft.com/office/drawing/2010/main" xmlns:m="http://schemas.openxmlformats.org/officeDocument/2006/math" xmlns="" val="1"/>
             </a:ext>
           </a:extLst>
         </p:spPr>
@@ -5400,7 +5612,7 @@
         <p:spPr>
           <a:xfrm>
             <a:off x="190554" y="928546"/>
-            <a:ext cx="11631332" cy="5293757"/>
+            <a:ext cx="11631332" cy="4370427"/>
           </a:xfrm>
           <a:prstGeom prst="rect">
             <a:avLst/>
@@ -5441,7 +5653,7 @@
             </a:pPr>
             <a:r>
               <a:rPr lang="en" altLang="zh-CN" sz="2000" dirty="0"/>
-              <a:t>Although new energy vehicles can replace traditional fuel vehicles in the future, it is impossible in the short term. Although the development of new energy vehicles is very fast, the battery life have not been fully resolved. Especially affected by the weather, such as cold and snowy days, the power </a:t>
+              <a:t>Although new energy vehicles can replace traditional combustion vehicles in the future, it is impossible in the short term. Although the development of new energy vehicles is very fast, the battery life have not been fully resolved. Especially affected by the weather, such as cold and snowy days, the power </a:t>
             </a:r>
             <a:r>
               <a:rPr lang="en" altLang="zh-CN" sz="2000" dirty="0">
@@ -5467,65 +5679,6 @@
               <a:buChar char="u"/>
             </a:pPr>
             <a:r>
-              <a:rPr lang="en" altLang="zh-CN" sz="2000" dirty="0"/>
-              <a:t> Also, if the battery </a:t>
-            </a:r>
-            <a:r>
-              <a:rPr lang="en" altLang="zh-CN" sz="2000" dirty="0">
-                <a:solidFill>
-                  <a:schemeClr val="accent5">
-                    <a:lumMod val="75000"/>
-                  </a:schemeClr>
-                </a:solidFill>
-              </a:rPr>
-              <a:t>encounters</a:t>
-            </a:r>
-            <a:r>
-              <a:rPr lang="en" altLang="zh-CN" sz="2000" dirty="0"/>
-              <a:t> water, it will be damaged, and </a:t>
-            </a:r>
-            <a:r>
-              <a:rPr lang="en" altLang="zh-CN" sz="2000" dirty="0">
-                <a:solidFill>
-                  <a:schemeClr val="accent5">
-                    <a:lumMod val="75000"/>
-                  </a:schemeClr>
-                </a:solidFill>
-              </a:rPr>
-              <a:t>in severe cases</a:t>
-            </a:r>
-            <a:r>
-              <a:rPr lang="en" altLang="zh-CN" sz="2000" dirty="0"/>
-              <a:t>, it may </a:t>
-            </a:r>
-            <a:r>
-              <a:rPr lang="en" altLang="zh-CN" sz="2000" dirty="0">
-                <a:solidFill>
-                  <a:schemeClr val="accent5">
-                    <a:lumMod val="75000"/>
-                  </a:schemeClr>
-                </a:solidFill>
-              </a:rPr>
-              <a:t>spontaneously ignite</a:t>
-            </a:r>
-            <a:r>
-              <a:rPr lang="en" altLang="zh-CN" sz="2000" dirty="0"/>
-              <a:t>.</a:t>
-            </a:r>
-          </a:p>
-          <a:p>
-            <a:pPr marL="342900" indent="-342900">
-              <a:lnSpc>
-                <a:spcPct val="150000"/>
-              </a:lnSpc>
-              <a:buFont typeface="Wingdings" panose="05000000000000000000" pitchFamily="2" charset="2"/>
-              <a:buChar char="u"/>
-            </a:pPr>
-            <a:r>
-              <a:rPr lang="en" altLang="zh-CN" sz="2000" dirty="0"/>
-              <a:t> </a:t>
-            </a:r>
-            <a:r>
               <a:rPr lang="en" altLang="zh-CN" sz="2000" dirty="0">
                 <a:solidFill>
                   <a:schemeClr val="accent5">
@@ -5574,7 +5727,7 @@
         <p:spPr>
           <a:xfrm>
             <a:off x="7467599" y="635697"/>
-            <a:ext cx="4016829" cy="1477328"/>
+            <a:ext cx="4016829" cy="646331"/>
           </a:xfrm>
           <a:prstGeom prst="rect">
             <a:avLst/>
@@ -5657,91 +5810,6 @@
               </a:rPr>
               <a:t> 遇到</a:t>
             </a:r>
-            <a:endParaRPr lang="en-US" altLang="zh-CN" b="1" dirty="0">
-              <a:solidFill>
-                <a:srgbClr val="FF0000"/>
-              </a:solidFill>
-            </a:endParaRPr>
-          </a:p>
-          <a:p>
-            <a:r>
-              <a:rPr lang="en-US" altLang="zh-CN" b="1" dirty="0">
-                <a:solidFill>
-                  <a:srgbClr val="FF0000"/>
-                </a:solidFill>
-              </a:rPr>
-              <a:t>3</a:t>
-            </a:r>
-            <a:r>
-              <a:rPr lang="zh-CN" altLang="en-US" b="1" dirty="0">
-                <a:solidFill>
-                  <a:srgbClr val="FF0000"/>
-                </a:solidFill>
-              </a:rPr>
-              <a:t>、</a:t>
-            </a:r>
-            <a:r>
-              <a:rPr lang="en-US" altLang="zh-CN" b="1" dirty="0">
-                <a:solidFill>
-                  <a:srgbClr val="FF0000"/>
-                </a:solidFill>
-              </a:rPr>
-              <a:t>In severe cases </a:t>
-            </a:r>
-            <a:r>
-              <a:rPr lang="zh-CN" altLang="en-US" b="1" dirty="0">
-                <a:solidFill>
-                  <a:srgbClr val="FF0000"/>
-                </a:solidFill>
-              </a:rPr>
-              <a:t>在严重情况下</a:t>
-            </a:r>
-            <a:endParaRPr lang="en-US" altLang="zh-CN" b="1" dirty="0">
-              <a:solidFill>
-                <a:srgbClr val="FF0000"/>
-              </a:solidFill>
-            </a:endParaRPr>
-          </a:p>
-          <a:p>
-            <a:r>
-              <a:rPr lang="en-US" altLang="zh-CN" b="1" dirty="0">
-                <a:solidFill>
-                  <a:srgbClr val="FF0000"/>
-                </a:solidFill>
-              </a:rPr>
-              <a:t>4</a:t>
-            </a:r>
-            <a:r>
-              <a:rPr lang="zh-CN" altLang="en-US" b="1" dirty="0">
-                <a:solidFill>
-                  <a:srgbClr val="FF0000"/>
-                </a:solidFill>
-              </a:rPr>
-              <a:t>、</a:t>
-            </a:r>
-            <a:r>
-              <a:rPr lang="en-US" altLang="zh-CN" b="1" dirty="0">
-                <a:solidFill>
-                  <a:srgbClr val="FF0000"/>
-                </a:solidFill>
-              </a:rPr>
-              <a:t>Spontaneously ignite </a:t>
-            </a:r>
-            <a:r>
-              <a:rPr lang="zh-CN" altLang="en-US" b="1" dirty="0">
-                <a:solidFill>
-                  <a:srgbClr val="FF0000"/>
-                </a:solidFill>
-              </a:rPr>
-              <a:t>自燃</a:t>
-            </a:r>
-            <a:endParaRPr lang="en-US" altLang="zh-CN" b="1" dirty="0">
-              <a:solidFill>
-                <a:srgbClr val="FF0000"/>
-              </a:solidFill>
-            </a:endParaRPr>
-          </a:p>
-          <a:p>
             <a:endParaRPr lang="en-US" altLang="zh-CN" b="1" dirty="0">
               <a:solidFill>
                 <a:srgbClr val="FF0000"/>
